--- a/Digital Image Processing(DIP).pptx
+++ b/Digital Image Processing(DIP).pptx
@@ -3904,9 +3904,10 @@
           <a:lstStyle/>
           <a:p>
             <a:r>
-              <a:rPr lang="en-US" dirty="0"/>
-              <a:t>Subtitle</a:t>
-            </a:r>
+              <a:rPr lang="en-US" dirty="0" smtClean="0"/>
+              <a:t>SHILPA JOY</a:t>
+            </a:r>
+            <a:endParaRPr lang="en-US" dirty="0"/>
           </a:p>
         </p:txBody>
       </p:sp>
@@ -4785,7 +4786,6 @@
               <a:rPr lang="en-US" dirty="0"/>
               <a:t>   Finger print recognition</a:t>
             </a:r>
-            <a:endParaRPr lang="en-US" dirty="0"/>
           </a:p>
         </p:txBody>
       </p:sp>
@@ -6434,15 +6434,6 @@
 </file>
 
 <file path=customXml/item2.xml><?xml version="1.0" encoding="utf-8"?>
-<?mso-contentType ?>
-<FormTemplates xmlns="http://schemas.microsoft.com/sharepoint/v3/contenttype/forms">
-  <Display>DocumentLibraryForm</Display>
-  <Edit>DocumentLibraryForm</Edit>
-  <New>DocumentLibraryForm</New>
-</FormTemplates>
-</file>
-
-<file path=customXml/item3.xml><?xml version="1.0" encoding="utf-8"?>
 <p:properties xmlns:p="http://schemas.microsoft.com/office/2006/metadata/properties" xmlns:xsi="http://www.w3.org/2001/XMLSchema-instance" xmlns:pc="http://schemas.microsoft.com/office/infopath/2007/PartnerControls">
   <documentManagement>
     <VSO_x0020_item_x0020_id xmlns="40262f94-9f35-4ac3-9a90-690165a166b7" xsi:nil="true"/>
@@ -6451,6 +6442,15 @@
     <Template_x0020_details xmlns="40262f94-9f35-4ac3-9a90-690165a166b7" xsi:nil="true"/>
   </documentManagement>
 </p:properties>
+</file>
+
+<file path=customXml/item3.xml><?xml version="1.0" encoding="utf-8"?>
+<?mso-contentType ?>
+<FormTemplates xmlns="http://schemas.microsoft.com/sharepoint/v3/contenttype/forms">
+  <Display>DocumentLibraryForm</Display>
+  <Edit>DocumentLibraryForm</Edit>
+  <New>DocumentLibraryForm</New>
+</FormTemplates>
 </file>
 
 <file path=customXml/itemProps1.xml><?xml version="1.0" encoding="utf-8"?>
@@ -6473,14 +6473,6 @@
 </file>
 
 <file path=customXml/itemProps2.xml><?xml version="1.0" encoding="utf-8"?>
-<ds:datastoreItem xmlns:ds="http://schemas.openxmlformats.org/officeDocument/2006/customXml" ds:itemID="{05EEE0F9-7BC9-4998-8617-7CC115AD97E2}">
-  <ds:schemaRefs>
-    <ds:schemaRef ds:uri="http://schemas.microsoft.com/sharepoint/v3/contenttype/forms"/>
-  </ds:schemaRefs>
-</ds:datastoreItem>
-</file>
-
-<file path=customXml/itemProps3.xml><?xml version="1.0" encoding="utf-8"?>
 <ds:datastoreItem xmlns:ds="http://schemas.openxmlformats.org/officeDocument/2006/customXml" ds:itemID="{2A1BD8E5-A18E-435C-B431-90A6B59F4B6F}">
   <ds:schemaRefs>
     <ds:schemaRef ds:uri="http://purl.org/dc/elements/1.1/"/>
@@ -6495,4 +6487,12 @@
     <ds:schemaRef ds:uri="http://purl.org/dc/dcmitype/"/>
   </ds:schemaRefs>
 </ds:datastoreItem>
+</file>
+
+<file path=customXml/itemProps3.xml><?xml version="1.0" encoding="utf-8"?>
+<ds:datastoreItem xmlns:ds="http://schemas.openxmlformats.org/officeDocument/2006/customXml" ds:itemID="{05EEE0F9-7BC9-4998-8617-7CC115AD97E2}">
+  <ds:schemaRefs>
+    <ds:schemaRef ds:uri="http://schemas.microsoft.com/sharepoint/v3/contenttype/forms"/>
+  </ds:schemaRefs>
+</ds:datastoreItem>
 </file>
--- a/Digital Image Processing(DIP).pptx
+++ b/Digital Image Processing(DIP).pptx
@@ -5,10 +5,10 @@
     <p:sldMasterId id="2147483660" r:id="rId4"/>
   </p:sldMasterIdLst>
   <p:notesMasterIdLst>
-    <p:notesMasterId r:id="rId16"/>
+    <p:notesMasterId r:id="rId19"/>
   </p:notesMasterIdLst>
   <p:handoutMasterIdLst>
-    <p:handoutMasterId r:id="rId17"/>
+    <p:handoutMasterId r:id="rId20"/>
   </p:handoutMasterIdLst>
   <p:sldIdLst>
     <p:sldId id="257" r:id="rId5"/>
@@ -22,6 +22,9 @@
     <p:sldId id="265" r:id="rId13"/>
     <p:sldId id="266" r:id="rId14"/>
     <p:sldId id="267" r:id="rId15"/>
+    <p:sldId id="268" r:id="rId16"/>
+    <p:sldId id="269" r:id="rId17"/>
+    <p:sldId id="270" r:id="rId18"/>
   </p:sldIdLst>
   <p:sldSz cx="12192000" cy="6858000"/>
   <p:notesSz cx="6858000" cy="9144000"/>
@@ -213,7 +216,7 @@
           <a:p>
             <a:fld id="{13DC2751-278C-4682-9C3F-0FF7B4FCFAE7}" type="datetimeFigureOut">
               <a:rPr lang="en-US" smtClean="0"/>
-              <a:t>30-Oct-18</a:t>
+              <a:t>01-Nov-18</a:t>
             </a:fld>
             <a:endParaRPr lang="en-US" dirty="0"/>
           </a:p>
@@ -378,7 +381,7 @@
           <a:p>
             <a:fld id="{DDFF0845-D09E-4AF9-9623-EA7EA0297EF3}" type="datetimeFigureOut">
               <a:rPr lang="en-US" smtClean="0"/>
-              <a:t>30-Oct-18</a:t>
+              <a:t>01-Nov-18</a:t>
             </a:fld>
             <a:endParaRPr lang="en-US" dirty="0"/>
           </a:p>
@@ -885,7 +888,7 @@
           <a:p>
             <a:fld id="{D409693A-2307-4FDC-9539-08DC9083DDED}" type="datetime1">
               <a:rPr lang="en-US" smtClean="0"/>
-              <a:t>30-Oct-18</a:t>
+              <a:t>01-Nov-18</a:t>
             </a:fld>
             <a:endParaRPr lang="en-US" dirty="0"/>
           </a:p>
@@ -1057,7 +1060,7 @@
           <a:p>
             <a:fld id="{A0011EA7-B10E-4739-92FE-8993461CC0B7}" type="datetime1">
               <a:rPr lang="en-US" smtClean="0"/>
-              <a:t>30-Oct-18</a:t>
+              <a:t>01-Nov-18</a:t>
             </a:fld>
             <a:endParaRPr lang="en-US" dirty="0"/>
           </a:p>
@@ -1240,7 +1243,7 @@
           <a:p>
             <a:fld id="{315DC13F-2D2A-49BA-966D-6530A12E7C15}" type="datetime1">
               <a:rPr lang="en-US" smtClean="0"/>
-              <a:t>30-Oct-18</a:t>
+              <a:t>01-Nov-18</a:t>
             </a:fld>
             <a:endParaRPr lang="en-US" dirty="0"/>
           </a:p>
@@ -1428,7 +1431,7 @@
           <a:p>
             <a:fld id="{3320E1C1-C26F-4479-A8BD-144B4C139DA5}" type="datetime1">
               <a:rPr lang="en-US" smtClean="0"/>
-              <a:t>30-Oct-18</a:t>
+              <a:t>01-Nov-18</a:t>
             </a:fld>
             <a:endParaRPr lang="en-US" dirty="0"/>
           </a:p>
@@ -1632,7 +1635,7 @@
           <a:p>
             <a:fld id="{BF519E61-C2D6-49AB-83F2-8FC9FEFBDAFD}" type="datetime1">
               <a:rPr lang="en-US" smtClean="0"/>
-              <a:t>30-Oct-18</a:t>
+              <a:t>01-Nov-18</a:t>
             </a:fld>
             <a:endParaRPr lang="en-US" dirty="0"/>
           </a:p>
@@ -1954,7 +1957,7 @@
           <a:p>
             <a:fld id="{047BE74F-367A-4D3C-8AA7-FA60CCA05EAE}" type="datetime1">
               <a:rPr lang="en-US" smtClean="0"/>
-              <a:t>30-Oct-18</a:t>
+              <a:t>01-Nov-18</a:t>
             </a:fld>
             <a:endParaRPr lang="en-US" dirty="0"/>
           </a:p>
@@ -2382,7 +2385,7 @@
           <a:p>
             <a:fld id="{A79E3F9C-6465-4987-8E4E-615CFD4753AA}" type="datetime1">
               <a:rPr lang="en-US" smtClean="0"/>
-              <a:t>30-Oct-18</a:t>
+              <a:t>01-Nov-18</a:t>
             </a:fld>
             <a:endParaRPr lang="en-US" dirty="0"/>
           </a:p>
@@ -2503,7 +2506,7 @@
           <a:p>
             <a:fld id="{C849EFD6-3C20-43C6-9E75-1A9D48D9576F}" type="datetime1">
               <a:rPr lang="en-US" smtClean="0"/>
-              <a:t>30-Oct-18</a:t>
+              <a:t>01-Nov-18</a:t>
             </a:fld>
             <a:endParaRPr lang="en-US" dirty="0"/>
           </a:p>
@@ -2601,7 +2604,7 @@
           <a:p>
             <a:fld id="{47493D5A-A484-46EE-9DC8-9A16BFF8327E}" type="datetime1">
               <a:rPr lang="en-US" smtClean="0"/>
-              <a:t>30-Oct-18</a:t>
+              <a:t>01-Nov-18</a:t>
             </a:fld>
             <a:endParaRPr lang="en-US" dirty="0"/>
           </a:p>
@@ -2882,7 +2885,7 @@
           <a:p>
             <a:fld id="{76287BC8-78D1-4FEB-9D4F-E22E45CC04F7}" type="datetime1">
               <a:rPr lang="en-US" smtClean="0"/>
-              <a:t>30-Oct-18</a:t>
+              <a:t>01-Nov-18</a:t>
             </a:fld>
             <a:endParaRPr lang="en-US" dirty="0"/>
           </a:p>
@@ -3142,7 +3145,7 @@
           <a:p>
             <a:fld id="{4F568210-870C-4A62-9D1B-4B25162550AB}" type="datetime1">
               <a:rPr lang="en-US" smtClean="0"/>
-              <a:t>30-Oct-18</a:t>
+              <a:t>01-Nov-18</a:t>
             </a:fld>
             <a:endParaRPr lang="en-US" dirty="0"/>
           </a:p>
@@ -3368,7 +3371,7 @@
           <a:p>
             <a:fld id="{00CABDA2-EB00-4A4D-86B7-63E286A484E5}" type="datetime1">
               <a:rPr lang="en-US" smtClean="0"/>
-              <a:t>30-Oct-18</a:t>
+              <a:t>01-Nov-18</a:t>
             </a:fld>
             <a:endParaRPr lang="en-US" dirty="0"/>
           </a:p>
@@ -4302,6 +4305,322 @@
     <p:extLst>
       <p:ext uri="{BB962C8B-B14F-4D97-AF65-F5344CB8AC3E}">
         <p14:creationId xmlns:p14="http://schemas.microsoft.com/office/powerpoint/2010/main" val="3571780380"/>
+      </p:ext>
+    </p:extLst>
+  </p:cSld>
+  <p:clrMapOvr>
+    <a:masterClrMapping/>
+  </p:clrMapOvr>
+</p:sld>
+</file>
+
+<file path=ppt/slides/slide12.xml><?xml version="1.0" encoding="utf-8"?>
+<p:sld xmlns:a="http://schemas.openxmlformats.org/drawingml/2006/main" xmlns:r="http://schemas.openxmlformats.org/officeDocument/2006/relationships" xmlns:p="http://schemas.openxmlformats.org/presentationml/2006/main">
+  <p:cSld>
+    <p:spTree>
+      <p:nvGrpSpPr>
+        <p:cNvPr id="1" name=""/>
+        <p:cNvGrpSpPr/>
+        <p:nvPr/>
+      </p:nvGrpSpPr>
+      <p:grpSpPr>
+        <a:xfrm>
+          <a:off x="0" y="0"/>
+          <a:ext cx="0" cy="0"/>
+          <a:chOff x="0" y="0"/>
+          <a:chExt cx="0" cy="0"/>
+        </a:xfrm>
+      </p:grpSpPr>
+      <p:sp>
+        <p:nvSpPr>
+          <p:cNvPr id="2" name="Title 1"/>
+          <p:cNvSpPr>
+            <a:spLocks noGrp="1"/>
+          </p:cNvSpPr>
+          <p:nvPr>
+            <p:ph type="title"/>
+          </p:nvPr>
+        </p:nvSpPr>
+        <p:spPr>
+          <a:xfrm>
+            <a:off x="361666" y="339542"/>
+            <a:ext cx="10096500" cy="1150907"/>
+          </a:xfrm>
+        </p:spPr>
+        <p:txBody>
+          <a:bodyPr/>
+          <a:lstStyle/>
+          <a:p>
+            <a:r>
+              <a:rPr lang="en-US" dirty="0" smtClean="0"/>
+              <a:t>Advantages</a:t>
+            </a:r>
+            <a:endParaRPr lang="en-US" dirty="0"/>
+          </a:p>
+        </p:txBody>
+      </p:sp>
+      <p:sp>
+        <p:nvSpPr>
+          <p:cNvPr id="3" name="Content Placeholder 2"/>
+          <p:cNvSpPr>
+            <a:spLocks noGrp="1"/>
+          </p:cNvSpPr>
+          <p:nvPr>
+            <p:ph sz="half" idx="1"/>
+          </p:nvPr>
+        </p:nvSpPr>
+        <p:spPr>
+          <a:xfrm>
+            <a:off x="457200" y="1378424"/>
+            <a:ext cx="10096500" cy="5363570"/>
+          </a:xfrm>
+        </p:spPr>
+        <p:txBody>
+          <a:bodyPr>
+            <a:normAutofit/>
+          </a:bodyPr>
+          <a:lstStyle/>
+          <a:p>
+            <a:pPr lvl="0" fontAlgn="base"/>
+            <a:r>
+              <a:rPr lang="en-US" dirty="0"/>
+              <a:t>One of the biggest advantages of digital imaging is the ability of the operator to manipulate the pixel shades to correct image density and contrast, is called </a:t>
+            </a:r>
+            <a:r>
+              <a:rPr lang="en-US" b="1" dirty="0"/>
+              <a:t>PostProcessing</a:t>
+            </a:r>
+            <a:r>
+              <a:rPr lang="en-US" dirty="0"/>
+              <a:t>. And perform other processing functions that could result in improved diagnosis and fewer repeated examinations. </a:t>
+            </a:r>
+          </a:p>
+          <a:p>
+            <a:pPr lvl="0" fontAlgn="base"/>
+            <a:r>
+              <a:rPr lang="en-US" dirty="0"/>
+              <a:t>Digital imaging allows the electronic transmission of images to third-party providers, referring dentists, consultants, and insurance carriers via a modem.  </a:t>
+            </a:r>
+          </a:p>
+          <a:p>
+            <a:pPr lvl="0" fontAlgn="base"/>
+            <a:r>
+              <a:rPr lang="en-US" dirty="0"/>
+              <a:t>Digital imaging is also environmentally friendly since it does not require chemical processing. It is well known that used film processing chemicals contaminate the water supply system with harmful metals such as the silver found in used fixer solution.  </a:t>
+            </a:r>
+          </a:p>
+          <a:p>
+            <a:pPr lvl="0" fontAlgn="base"/>
+            <a:r>
+              <a:rPr lang="en-US" dirty="0"/>
+              <a:t>Radiation dose reduction is also a benefit derived from the use of digital systems. </a:t>
+            </a:r>
+            <a:r>
+              <a:rPr lang="en-US" dirty="0"/>
+              <a:t>Some manufacturers have claimed a 90% decrease in radiation exposure, but the real savings depend on comparisons. </a:t>
+            </a:r>
+          </a:p>
+        </p:txBody>
+      </p:sp>
+    </p:spTree>
+    <p:extLst>
+      <p:ext uri="{BB962C8B-B14F-4D97-AF65-F5344CB8AC3E}">
+        <p14:creationId xmlns:p14="http://schemas.microsoft.com/office/powerpoint/2010/main" val="3930699627"/>
+      </p:ext>
+    </p:extLst>
+  </p:cSld>
+  <p:clrMapOvr>
+    <a:masterClrMapping/>
+  </p:clrMapOvr>
+</p:sld>
+</file>
+
+<file path=ppt/slides/slide13.xml><?xml version="1.0" encoding="utf-8"?>
+<p:sld xmlns:a="http://schemas.openxmlformats.org/drawingml/2006/main" xmlns:r="http://schemas.openxmlformats.org/officeDocument/2006/relationships" xmlns:p="http://schemas.openxmlformats.org/presentationml/2006/main">
+  <p:cSld>
+    <p:spTree>
+      <p:nvGrpSpPr>
+        <p:cNvPr id="1" name=""/>
+        <p:cNvGrpSpPr/>
+        <p:nvPr/>
+      </p:nvGrpSpPr>
+      <p:grpSpPr>
+        <a:xfrm>
+          <a:off x="0" y="0"/>
+          <a:ext cx="0" cy="0"/>
+          <a:chOff x="0" y="0"/>
+          <a:chExt cx="0" cy="0"/>
+        </a:xfrm>
+      </p:grpSpPr>
+      <p:sp>
+        <p:nvSpPr>
+          <p:cNvPr id="2" name="Title 1"/>
+          <p:cNvSpPr>
+            <a:spLocks noGrp="1"/>
+          </p:cNvSpPr>
+          <p:nvPr>
+            <p:ph type="title"/>
+          </p:nvPr>
+        </p:nvSpPr>
+        <p:spPr>
+          <a:xfrm>
+            <a:off x="457200" y="503315"/>
+            <a:ext cx="10096500" cy="1150907"/>
+          </a:xfrm>
+        </p:spPr>
+        <p:txBody>
+          <a:bodyPr/>
+          <a:lstStyle/>
+          <a:p>
+            <a:r>
+              <a:rPr lang="en-US" dirty="0" smtClean="0"/>
+              <a:t>Disadvantages</a:t>
+            </a:r>
+            <a:endParaRPr lang="en-US" dirty="0"/>
+          </a:p>
+        </p:txBody>
+      </p:sp>
+      <p:sp>
+        <p:nvSpPr>
+          <p:cNvPr id="3" name="Content Placeholder 2"/>
+          <p:cNvSpPr>
+            <a:spLocks noGrp="1"/>
+          </p:cNvSpPr>
+          <p:nvPr>
+            <p:ph sz="half" idx="1"/>
+          </p:nvPr>
+        </p:nvSpPr>
+        <p:spPr>
+          <a:xfrm>
+            <a:off x="457200" y="1907512"/>
+            <a:ext cx="10096500" cy="3183103"/>
+          </a:xfrm>
+        </p:spPr>
+        <p:txBody>
+          <a:bodyPr/>
+          <a:lstStyle/>
+          <a:p>
+            <a:pPr lvl="0" fontAlgn="base"/>
+            <a:r>
+              <a:rPr lang="en-US" dirty="0"/>
+              <a:t>The initial cost can be high depending on the system used, the number of detectors purchased, etc. </a:t>
+            </a:r>
+          </a:p>
+          <a:p>
+            <a:pPr lvl="0" fontAlgn="base"/>
+            <a:r>
+              <a:rPr lang="en-US" dirty="0"/>
+              <a:t>Competency using the software can take time to master depending on the level of computer literacy of team members. Finally, since digital imaging in dentistry is not standardized, professionals are unable to exchange information without going through an intermediary process.</a:t>
+            </a:r>
+            <a:r>
+              <a:rPr lang="en-US" b="1" dirty="0"/>
+              <a:t> </a:t>
+            </a:r>
+            <a:endParaRPr lang="en-US" dirty="0"/>
+          </a:p>
+          <a:p>
+            <a:endParaRPr lang="en-US" dirty="0"/>
+          </a:p>
+        </p:txBody>
+      </p:sp>
+    </p:spTree>
+    <p:extLst>
+      <p:ext uri="{BB962C8B-B14F-4D97-AF65-F5344CB8AC3E}">
+        <p14:creationId xmlns:p14="http://schemas.microsoft.com/office/powerpoint/2010/main" val="460770459"/>
+      </p:ext>
+    </p:extLst>
+  </p:cSld>
+  <p:clrMapOvr>
+    <a:masterClrMapping/>
+  </p:clrMapOvr>
+</p:sld>
+</file>
+
+<file path=ppt/slides/slide14.xml><?xml version="1.0" encoding="utf-8"?>
+<p:sld xmlns:a="http://schemas.openxmlformats.org/drawingml/2006/main" xmlns:r="http://schemas.openxmlformats.org/officeDocument/2006/relationships" xmlns:p="http://schemas.openxmlformats.org/presentationml/2006/main">
+  <p:cSld>
+    <p:spTree>
+      <p:nvGrpSpPr>
+        <p:cNvPr id="1" name=""/>
+        <p:cNvGrpSpPr/>
+        <p:nvPr/>
+      </p:nvGrpSpPr>
+      <p:grpSpPr>
+        <a:xfrm>
+          <a:off x="0" y="0"/>
+          <a:ext cx="0" cy="0"/>
+          <a:chOff x="0" y="0"/>
+          <a:chExt cx="0" cy="0"/>
+        </a:xfrm>
+      </p:grpSpPr>
+      <p:sp>
+        <p:nvSpPr>
+          <p:cNvPr id="2" name="Title 1"/>
+          <p:cNvSpPr>
+            <a:spLocks noGrp="1"/>
+          </p:cNvSpPr>
+          <p:nvPr>
+            <p:ph type="title"/>
+          </p:nvPr>
+        </p:nvSpPr>
+        <p:spPr>
+          <a:xfrm>
+            <a:off x="457200" y="476019"/>
+            <a:ext cx="10096500" cy="1150907"/>
+          </a:xfrm>
+        </p:spPr>
+        <p:txBody>
+          <a:bodyPr/>
+          <a:lstStyle/>
+          <a:p>
+            <a:r>
+              <a:rPr lang="en-US" dirty="0" smtClean="0"/>
+              <a:t>Conclusion</a:t>
+            </a:r>
+            <a:endParaRPr lang="en-US" dirty="0"/>
+          </a:p>
+        </p:txBody>
+      </p:sp>
+      <p:sp>
+        <p:nvSpPr>
+          <p:cNvPr id="3" name="Content Placeholder 2"/>
+          <p:cNvSpPr>
+            <a:spLocks noGrp="1"/>
+          </p:cNvSpPr>
+          <p:nvPr>
+            <p:ph sz="half" idx="1"/>
+          </p:nvPr>
+        </p:nvSpPr>
+        <p:spPr>
+          <a:xfrm>
+            <a:off x="457200" y="1787857"/>
+            <a:ext cx="10269940" cy="4839482"/>
+          </a:xfrm>
+        </p:spPr>
+        <p:txBody>
+          <a:bodyPr/>
+          <a:lstStyle/>
+          <a:p>
+            <a:pPr marL="0" indent="0">
+              <a:buNone/>
+            </a:pPr>
+            <a:r>
+              <a:rPr lang="en-US" dirty="0"/>
+              <a:t>It’s a critical study, which plays a vital role in modern world as it is involved with advanced use of science and technology. The advances in technology have created tremendous opportunities for Vision System and Image Processing. There is no doubt that the trend will continue into the future Over the next few years, the growth of digital imageprocessing is going to be enormous with new products and technologies coming out frequently. In order to get the most out of this period, it is going to be important that imageprocessing planners and developers have a clear idea of what they are looking for and then choose strategies and methods that will provide them with performance today and flexibility for tomorrow. . From the above discussion we can conclude that this field has relatively more advantages than disadvantages and hence is very useful in varied branches. </a:t>
+            </a:r>
+          </a:p>
+          <a:p>
+            <a:pPr marL="0" indent="0">
+              <a:buNone/>
+            </a:pPr>
+            <a:endParaRPr lang="en-US" dirty="0"/>
+          </a:p>
+        </p:txBody>
+      </p:sp>
+    </p:spTree>
+    <p:extLst>
+      <p:ext uri="{BB962C8B-B14F-4D97-AF65-F5344CB8AC3E}">
+        <p14:creationId xmlns:p14="http://schemas.microsoft.com/office/powerpoint/2010/main" val="875569573"/>
       </p:ext>
     </p:extLst>
   </p:cSld>
@@ -6434,6 +6753,15 @@
 </file>
 
 <file path=customXml/item2.xml><?xml version="1.0" encoding="utf-8"?>
+<?mso-contentType ?>
+<FormTemplates xmlns="http://schemas.microsoft.com/sharepoint/v3/contenttype/forms">
+  <Display>DocumentLibraryForm</Display>
+  <Edit>DocumentLibraryForm</Edit>
+  <New>DocumentLibraryForm</New>
+</FormTemplates>
+</file>
+
+<file path=customXml/item3.xml><?xml version="1.0" encoding="utf-8"?>
 <p:properties xmlns:p="http://schemas.microsoft.com/office/2006/metadata/properties" xmlns:xsi="http://www.w3.org/2001/XMLSchema-instance" xmlns:pc="http://schemas.microsoft.com/office/infopath/2007/PartnerControls">
   <documentManagement>
     <VSO_x0020_item_x0020_id xmlns="40262f94-9f35-4ac3-9a90-690165a166b7" xsi:nil="true"/>
@@ -6442,15 +6770,6 @@
     <Template_x0020_details xmlns="40262f94-9f35-4ac3-9a90-690165a166b7" xsi:nil="true"/>
   </documentManagement>
 </p:properties>
-</file>
-
-<file path=customXml/item3.xml><?xml version="1.0" encoding="utf-8"?>
-<?mso-contentType ?>
-<FormTemplates xmlns="http://schemas.microsoft.com/sharepoint/v3/contenttype/forms">
-  <Display>DocumentLibraryForm</Display>
-  <Edit>DocumentLibraryForm</Edit>
-  <New>DocumentLibraryForm</New>
-</FormTemplates>
 </file>
 
 <file path=customXml/itemProps1.xml><?xml version="1.0" encoding="utf-8"?>
@@ -6473,6 +6792,14 @@
 </file>
 
 <file path=customXml/itemProps2.xml><?xml version="1.0" encoding="utf-8"?>
+<ds:datastoreItem xmlns:ds="http://schemas.openxmlformats.org/officeDocument/2006/customXml" ds:itemID="{05EEE0F9-7BC9-4998-8617-7CC115AD97E2}">
+  <ds:schemaRefs>
+    <ds:schemaRef ds:uri="http://schemas.microsoft.com/sharepoint/v3/contenttype/forms"/>
+  </ds:schemaRefs>
+</ds:datastoreItem>
+</file>
+
+<file path=customXml/itemProps3.xml><?xml version="1.0" encoding="utf-8"?>
 <ds:datastoreItem xmlns:ds="http://schemas.openxmlformats.org/officeDocument/2006/customXml" ds:itemID="{2A1BD8E5-A18E-435C-B431-90A6B59F4B6F}">
   <ds:schemaRefs>
     <ds:schemaRef ds:uri="http://purl.org/dc/elements/1.1/"/>
@@ -6487,12 +6814,4 @@
     <ds:schemaRef ds:uri="http://purl.org/dc/dcmitype/"/>
   </ds:schemaRefs>
 </ds:datastoreItem>
-</file>
-
-<file path=customXml/itemProps3.xml><?xml version="1.0" encoding="utf-8"?>
-<ds:datastoreItem xmlns:ds="http://schemas.openxmlformats.org/officeDocument/2006/customXml" ds:itemID="{05EEE0F9-7BC9-4998-8617-7CC115AD97E2}">
-  <ds:schemaRefs>
-    <ds:schemaRef ds:uri="http://schemas.microsoft.com/sharepoint/v3/contenttype/forms"/>
-  </ds:schemaRefs>
-</ds:datastoreItem>
 </file>